--- a/doc/AllocationView_r1.pptx
+++ b/doc/AllocationView_r1.pptx
@@ -149,7 +149,7 @@
   </p:defaultTextStyle>
   <p:extLst>
     <p:ext uri="{EFAFB233-063F-42B5-8137-9DF3F51BA10A}">
-      <p15:sldGuideLst xmlns:p15="http://schemas.microsoft.com/office/powerpoint/2012/main" xmlns=""/>
+      <p15:sldGuideLst xmlns="" xmlns:p15="http://schemas.microsoft.com/office/powerpoint/2012/main"/>
     </p:ext>
   </p:extLst>
 </p:presentation>
@@ -2473,8 +2473,11 @@
               <a:rPr lang="en-US" altLang="ko-KR" sz="1000" b="0" dirty="0" smtClean="0">
                 <a:latin typeface="+mj-lt"/>
               </a:rPr>
-              <a:t>send</a:t>
-            </a:r>
+              <a:t>Mail</a:t>
+            </a:r>
+            <a:endParaRPr lang="en-US" altLang="ko-KR" sz="1000" b="0" dirty="0" smtClean="0">
+              <a:latin typeface="+mj-lt"/>
+            </a:endParaRPr>
           </a:p>
           <a:p>
             <a:pPr marL="0" marR="0" indent="0" algn="ctr" defTabSz="914400" rtl="0" eaLnBrk="1" fontAlgn="base" latinLnBrk="1" hangingPunct="1">
@@ -4390,6 +4393,91 @@
               </a:rPr>
               <a:t>Port #3250(Discovery)</a:t>
             </a:r>
+          </a:p>
+        </p:txBody>
+      </p:sp>
+      <p:pic>
+        <p:nvPicPr>
+          <p:cNvPr id="66" name="Picture 6" descr="https://cdn4.iconfinder.com/data/icons/STROKE/networking/png/400/access_point.png"/>
+          <p:cNvPicPr>
+            <a:picLocks noChangeAspect="1" noChangeArrowheads="1"/>
+          </p:cNvPicPr>
+          <p:nvPr/>
+        </p:nvPicPr>
+        <p:blipFill rotWithShape="1">
+          <a:blip r:embed="rId5" cstate="print">
+            <a:extLst>
+              <a:ext uri="{28A0092B-C50C-407E-A947-70E740481C1C}">
+                <a14:useLocalDpi xmlns:a14="http://schemas.microsoft.com/office/drawing/2010/main" val="0"/>
+              </a:ext>
+            </a:extLst>
+          </a:blip>
+          <a:srcRect t="4486" b="7264"/>
+          <a:stretch/>
+        </p:blipFill>
+        <p:spPr bwMode="auto">
+          <a:xfrm>
+            <a:off x="9309446" y="5870750"/>
+            <a:ext cx="351906" cy="310559"/>
+          </a:xfrm>
+          <a:prstGeom prst="rect">
+            <a:avLst/>
+          </a:prstGeom>
+          <a:noFill/>
+          <a:extLst>
+            <a:ext uri="{909E8E84-426E-40DD-AFC4-6F175D3DCCD1}">
+              <a14:hiddenFill xmlns:a14="http://schemas.microsoft.com/office/drawing/2010/main">
+                <a:solidFill>
+                  <a:srgbClr val="FFFFFF"/>
+                </a:solidFill>
+              </a14:hiddenFill>
+            </a:ext>
+          </a:extLst>
+        </p:spPr>
+      </p:pic>
+      <p:sp>
+        <p:nvSpPr>
+          <p:cNvPr id="68" name="직사각형 67"/>
+          <p:cNvSpPr/>
+          <p:nvPr/>
+        </p:nvSpPr>
+        <p:spPr bwMode="auto">
+          <a:xfrm>
+            <a:off x="8601944" y="5896666"/>
+            <a:ext cx="717089" cy="239413"/>
+          </a:xfrm>
+          <a:prstGeom prst="rect">
+            <a:avLst/>
+          </a:prstGeom>
+          <a:noFill/>
+          <a:ln w="9525" cap="flat" cmpd="sng" algn="ctr">
+            <a:noFill/>
+            <a:prstDash val="solid"/>
+            <a:round/>
+            <a:headEnd type="none" w="med" len="med"/>
+            <a:tailEnd type="none" w="med" len="med"/>
+          </a:ln>
+          <a:effectLst/>
+        </p:spPr>
+        <p:txBody>
+          <a:bodyPr vert="horz" wrap="square" lIns="91440" tIns="45720" rIns="91440" bIns="45720" numCol="1" rtlCol="0" anchor="ctr" anchorCtr="0" compatLnSpc="1">
+            <a:prstTxWarp prst="textNoShape">
+              <a:avLst/>
+            </a:prstTxWarp>
+            <a:noAutofit/>
+          </a:bodyPr>
+          <a:lstStyle/>
+          <a:p>
+            <a:pPr algn="ctr"/>
+            <a:r>
+              <a:rPr lang="en-US" altLang="ko-KR" sz="1000" b="0" dirty="0" smtClean="0">
+                <a:latin typeface="+mj-lt"/>
+              </a:rPr>
+              <a:t>Router</a:t>
+            </a:r>
+            <a:endParaRPr lang="ko-KR" altLang="en-US" sz="1000" b="0" dirty="0" smtClean="0">
+              <a:latin typeface="+mj-lt"/>
+            </a:endParaRPr>
           </a:p>
         </p:txBody>
       </p:sp>
